--- a/191 - Angels, Roll the Rock Away.pptx
+++ b/191 - Angels, Roll the Rock Away.pptx
@@ -243,7 +243,7 @@
           <a:p>
             <a:fld id="{32F7251A-AE54-443C-B8FE-5F636E835EBF}" type="datetimeFigureOut">
               <a:rPr lang="en-US" smtClean="0"/>
-              <a:t>4/1/2018</a:t>
+              <a:t>8/9/2020</a:t>
             </a:fld>
             <a:endParaRPr lang="en-US"/>
           </a:p>
@@ -411,7 +411,7 @@
           <a:p>
             <a:fld id="{32F7251A-AE54-443C-B8FE-5F636E835EBF}" type="datetimeFigureOut">
               <a:rPr lang="en-US" smtClean="0"/>
-              <a:t>4/1/2018</a:t>
+              <a:t>8/9/2020</a:t>
             </a:fld>
             <a:endParaRPr lang="en-US"/>
           </a:p>
@@ -589,7 +589,7 @@
           <a:p>
             <a:fld id="{32F7251A-AE54-443C-B8FE-5F636E835EBF}" type="datetimeFigureOut">
               <a:rPr lang="en-US" smtClean="0"/>
-              <a:t>4/1/2018</a:t>
+              <a:t>8/9/2020</a:t>
             </a:fld>
             <a:endParaRPr lang="en-US"/>
           </a:p>
@@ -757,7 +757,7 @@
           <a:p>
             <a:fld id="{32F7251A-AE54-443C-B8FE-5F636E835EBF}" type="datetimeFigureOut">
               <a:rPr lang="en-US" smtClean="0"/>
-              <a:t>4/1/2018</a:t>
+              <a:t>8/9/2020</a:t>
             </a:fld>
             <a:endParaRPr lang="en-US"/>
           </a:p>
@@ -1002,7 +1002,7 @@
           <a:p>
             <a:fld id="{32F7251A-AE54-443C-B8FE-5F636E835EBF}" type="datetimeFigureOut">
               <a:rPr lang="en-US" smtClean="0"/>
-              <a:t>4/1/2018</a:t>
+              <a:t>8/9/2020</a:t>
             </a:fld>
             <a:endParaRPr lang="en-US"/>
           </a:p>
@@ -1231,7 +1231,7 @@
           <a:p>
             <a:fld id="{32F7251A-AE54-443C-B8FE-5F636E835EBF}" type="datetimeFigureOut">
               <a:rPr lang="en-US" smtClean="0"/>
-              <a:t>4/1/2018</a:t>
+              <a:t>8/9/2020</a:t>
             </a:fld>
             <a:endParaRPr lang="en-US"/>
           </a:p>
@@ -1595,7 +1595,7 @@
           <a:p>
             <a:fld id="{32F7251A-AE54-443C-B8FE-5F636E835EBF}" type="datetimeFigureOut">
               <a:rPr lang="en-US" smtClean="0"/>
-              <a:t>4/1/2018</a:t>
+              <a:t>8/9/2020</a:t>
             </a:fld>
             <a:endParaRPr lang="en-US"/>
           </a:p>
@@ -1712,7 +1712,7 @@
           <a:p>
             <a:fld id="{32F7251A-AE54-443C-B8FE-5F636E835EBF}" type="datetimeFigureOut">
               <a:rPr lang="en-US" smtClean="0"/>
-              <a:t>4/1/2018</a:t>
+              <a:t>8/9/2020</a:t>
             </a:fld>
             <a:endParaRPr lang="en-US"/>
           </a:p>
@@ -1807,7 +1807,7 @@
           <a:p>
             <a:fld id="{32F7251A-AE54-443C-B8FE-5F636E835EBF}" type="datetimeFigureOut">
               <a:rPr lang="en-US" smtClean="0"/>
-              <a:t>4/1/2018</a:t>
+              <a:t>8/9/2020</a:t>
             </a:fld>
             <a:endParaRPr lang="en-US"/>
           </a:p>
@@ -2082,7 +2082,7 @@
           <a:p>
             <a:fld id="{32F7251A-AE54-443C-B8FE-5F636E835EBF}" type="datetimeFigureOut">
               <a:rPr lang="en-US" smtClean="0"/>
-              <a:t>4/1/2018</a:t>
+              <a:t>8/9/2020</a:t>
             </a:fld>
             <a:endParaRPr lang="en-US"/>
           </a:p>
@@ -2334,7 +2334,7 @@
           <a:p>
             <a:fld id="{32F7251A-AE54-443C-B8FE-5F636E835EBF}" type="datetimeFigureOut">
               <a:rPr lang="en-US" smtClean="0"/>
-              <a:t>4/1/2018</a:t>
+              <a:t>8/9/2020</a:t>
             </a:fld>
             <a:endParaRPr lang="en-US"/>
           </a:p>
@@ -2401,7 +2401,9 @@
     <p:bg>
       <p:bgPr>
         <a:solidFill>
-          <a:srgbClr val="333333"/>
+          <a:schemeClr val="bg1">
+            <a:lumMod val="10000"/>
+          </a:schemeClr>
         </a:solidFill>
         <a:effectLst/>
       </p:bgPr>
@@ -2548,7 +2550,7 @@
           <a:p>
             <a:fld id="{32F7251A-AE54-443C-B8FE-5F636E835EBF}" type="datetimeFigureOut">
               <a:rPr lang="en-US" smtClean="0"/>
-              <a:t>4/1/2018</a:t>
+              <a:t>8/9/2020</a:t>
             </a:fld>
             <a:endParaRPr lang="en-US"/>
           </a:p>
@@ -3018,8 +3020,8 @@
         </p:nvSpPr>
         <p:spPr>
           <a:xfrm>
-            <a:off x="0" y="5804209"/>
-            <a:ext cx="12192000" cy="830997"/>
+            <a:off x="0" y="5927320"/>
+            <a:ext cx="12192000" cy="584775"/>
           </a:xfrm>
           <a:prstGeom prst="rect">
             <a:avLst/>
@@ -3034,10 +3036,12 @@
           <a:p>
             <a:pPr algn="ctr"/>
             <a:r>
-              <a:rPr lang="en-US" sz="4800" dirty="0">
+              <a:rPr lang="en-US" sz="3200" u="sng" dirty="0">
                 <a:solidFill>
                   <a:schemeClr val="bg1"/>
                 </a:solidFill>
+                <a:latin typeface="Assistant SemiBold" panose="00000700000000000000" pitchFamily="2" charset="-79"/>
+                <a:cs typeface="Assistant SemiBold" panose="00000700000000000000" pitchFamily="2" charset="-79"/>
               </a:rPr>
               <a:t>“Angels, Roll the Rock Away!”</a:t>
             </a:r>
@@ -3052,8 +3056,8 @@
         </p:nvSpPr>
         <p:spPr>
           <a:xfrm>
-            <a:off x="0" y="494106"/>
-            <a:ext cx="12192000" cy="4524315"/>
+            <a:off x="0" y="729571"/>
+            <a:ext cx="12192000" cy="3970318"/>
           </a:xfrm>
           <a:prstGeom prst="rect">
             <a:avLst/>
@@ -3068,10 +3072,12 @@
           <a:p>
             <a:pPr algn="ctr"/>
             <a:r>
-              <a:rPr lang="en-US" sz="3200" dirty="0">
+              <a:rPr lang="en-US" sz="2800" spc="50" dirty="0">
                 <a:solidFill>
                   <a:schemeClr val="bg1"/>
                 </a:solidFill>
+                <a:latin typeface="Assistant" panose="00000500000000000000" pitchFamily="2" charset="-79"/>
+                <a:cs typeface="Assistant" panose="00000500000000000000" pitchFamily="2" charset="-79"/>
               </a:rPr>
               <a:t>Angels, roll the rock away!</a:t>
             </a:r>
@@ -3079,18 +3085,22 @@
           <a:p>
             <a:pPr algn="ctr"/>
             <a:r>
-              <a:rPr lang="en-US" sz="3200" dirty="0" err="1">
+              <a:rPr lang="en-US" sz="2800" spc="50" dirty="0" err="1">
                 <a:solidFill>
                   <a:schemeClr val="bg1"/>
                 </a:solidFill>
+                <a:latin typeface="Assistant" panose="00000500000000000000" pitchFamily="2" charset="-79"/>
+                <a:cs typeface="Assistant" panose="00000500000000000000" pitchFamily="2" charset="-79"/>
               </a:rPr>
               <a:t>Allelujah</a:t>
             </a:r>
             <a:r>
-              <a:rPr lang="en-US" sz="3200" dirty="0">
+              <a:rPr lang="en-US" sz="2800" spc="50" dirty="0">
                 <a:solidFill>
                   <a:schemeClr val="bg1"/>
                 </a:solidFill>
+                <a:latin typeface="Assistant" panose="00000500000000000000" pitchFamily="2" charset="-79"/>
+                <a:cs typeface="Assistant" panose="00000500000000000000" pitchFamily="2" charset="-79"/>
               </a:rPr>
               <a:t>!</a:t>
             </a:r>
@@ -3098,10 +3108,12 @@
           <a:p>
             <a:pPr algn="ctr"/>
             <a:r>
-              <a:rPr lang="en-US" sz="3200" dirty="0">
+              <a:rPr lang="en-US" sz="2800" spc="50" dirty="0">
                 <a:solidFill>
                   <a:schemeClr val="bg1"/>
                 </a:solidFill>
+                <a:latin typeface="Assistant" panose="00000500000000000000" pitchFamily="2" charset="-79"/>
+                <a:cs typeface="Assistant" panose="00000500000000000000" pitchFamily="2" charset="-79"/>
               </a:rPr>
               <a:t>Death, yield up thy mighty prey!</a:t>
             </a:r>
@@ -3109,37 +3121,45 @@
           <a:p>
             <a:pPr algn="ctr"/>
             <a:r>
-              <a:rPr lang="en-US" sz="3200" dirty="0" err="1">
+              <a:rPr lang="en-US" sz="2800" spc="50" dirty="0" err="1">
                 <a:solidFill>
                   <a:schemeClr val="bg1"/>
                 </a:solidFill>
+                <a:latin typeface="Assistant" panose="00000500000000000000" pitchFamily="2" charset="-79"/>
+                <a:cs typeface="Assistant" panose="00000500000000000000" pitchFamily="2" charset="-79"/>
               </a:rPr>
               <a:t>Allelujah</a:t>
             </a:r>
             <a:r>
-              <a:rPr lang="en-US" sz="3200" dirty="0">
+              <a:rPr lang="en-US" sz="2800" spc="50" dirty="0">
                 <a:solidFill>
                   <a:schemeClr val="bg1"/>
                 </a:solidFill>
+                <a:latin typeface="Assistant" panose="00000500000000000000" pitchFamily="2" charset="-79"/>
+                <a:cs typeface="Assistant" panose="00000500000000000000" pitchFamily="2" charset="-79"/>
               </a:rPr>
               <a:t>!</a:t>
             </a:r>
           </a:p>
           <a:p>
             <a:pPr algn="ctr"/>
-            <a:endParaRPr lang="en-US" sz="3200" dirty="0">
+            <a:endParaRPr lang="en-US" sz="2800" spc="50" dirty="0">
               <a:solidFill>
                 <a:schemeClr val="bg1"/>
               </a:solidFill>
+              <a:latin typeface="Assistant" panose="00000500000000000000" pitchFamily="2" charset="-79"/>
+              <a:cs typeface="Assistant" panose="00000500000000000000" pitchFamily="2" charset="-79"/>
             </a:endParaRPr>
           </a:p>
           <a:p>
             <a:pPr algn="ctr"/>
             <a:r>
-              <a:rPr lang="en-US" sz="3200" dirty="0">
+              <a:rPr lang="en-US" sz="2800" spc="50" dirty="0">
                 <a:solidFill>
                   <a:schemeClr val="bg1"/>
                 </a:solidFill>
+                <a:latin typeface="Assistant" panose="00000500000000000000" pitchFamily="2" charset="-79"/>
+                <a:cs typeface="Assistant" panose="00000500000000000000" pitchFamily="2" charset="-79"/>
               </a:rPr>
               <a:t>See, He rises from the tomb,</a:t>
             </a:r>
@@ -3147,18 +3167,22 @@
           <a:p>
             <a:pPr algn="ctr"/>
             <a:r>
-              <a:rPr lang="en-US" sz="3200" dirty="0" err="1">
+              <a:rPr lang="en-US" sz="2800" spc="50" dirty="0" err="1">
                 <a:solidFill>
                   <a:schemeClr val="bg1"/>
                 </a:solidFill>
+                <a:latin typeface="Assistant" panose="00000500000000000000" pitchFamily="2" charset="-79"/>
+                <a:cs typeface="Assistant" panose="00000500000000000000" pitchFamily="2" charset="-79"/>
               </a:rPr>
               <a:t>Allelujah</a:t>
             </a:r>
             <a:r>
-              <a:rPr lang="en-US" sz="3200" dirty="0">
+              <a:rPr lang="en-US" sz="2800" spc="50" dirty="0">
                 <a:solidFill>
                   <a:schemeClr val="bg1"/>
                 </a:solidFill>
+                <a:latin typeface="Assistant" panose="00000500000000000000" pitchFamily="2" charset="-79"/>
+                <a:cs typeface="Assistant" panose="00000500000000000000" pitchFamily="2" charset="-79"/>
               </a:rPr>
               <a:t>,</a:t>
             </a:r>
@@ -3166,10 +3190,12 @@
           <a:p>
             <a:pPr algn="ctr"/>
             <a:r>
-              <a:rPr lang="en-US" sz="3200" dirty="0">
+              <a:rPr lang="en-US" sz="2800" spc="50" dirty="0">
                 <a:solidFill>
                   <a:schemeClr val="bg1"/>
                 </a:solidFill>
+                <a:latin typeface="Assistant" panose="00000500000000000000" pitchFamily="2" charset="-79"/>
+                <a:cs typeface="Assistant" panose="00000500000000000000" pitchFamily="2" charset="-79"/>
               </a:rPr>
               <a:t>Rises with immortal bloom,</a:t>
             </a:r>
@@ -3177,18 +3203,22 @@
           <a:p>
             <a:pPr algn="ctr"/>
             <a:r>
-              <a:rPr lang="en-US" sz="3200" dirty="0" err="1">
+              <a:rPr lang="en-US" sz="2800" spc="50" dirty="0" err="1">
                 <a:solidFill>
                   <a:schemeClr val="bg1"/>
                 </a:solidFill>
+                <a:latin typeface="Assistant" panose="00000500000000000000" pitchFamily="2" charset="-79"/>
+                <a:cs typeface="Assistant" panose="00000500000000000000" pitchFamily="2" charset="-79"/>
               </a:rPr>
               <a:t>Allelujah</a:t>
             </a:r>
             <a:r>
-              <a:rPr lang="en-US" sz="3200" dirty="0">
+              <a:rPr lang="en-US" sz="2800" spc="50" dirty="0">
                 <a:solidFill>
                   <a:schemeClr val="bg1"/>
                 </a:solidFill>
+                <a:latin typeface="Assistant" panose="00000500000000000000" pitchFamily="2" charset="-79"/>
+                <a:cs typeface="Assistant" panose="00000500000000000000" pitchFamily="2" charset="-79"/>
               </a:rPr>
               <a:t>!</a:t>
             </a:r>
@@ -3290,8 +3320,8 @@
         </p:nvSpPr>
         <p:spPr>
           <a:xfrm>
-            <a:off x="0" y="5804209"/>
-            <a:ext cx="12192000" cy="830997"/>
+            <a:off x="0" y="5927320"/>
+            <a:ext cx="12192000" cy="584775"/>
           </a:xfrm>
           <a:prstGeom prst="rect">
             <a:avLst/>
@@ -3306,10 +3336,12 @@
           <a:p>
             <a:pPr algn="ctr"/>
             <a:r>
-              <a:rPr lang="en-US" sz="4800" dirty="0">
+              <a:rPr lang="en-US" sz="3200" u="sng" dirty="0">
                 <a:solidFill>
                   <a:schemeClr val="bg1"/>
                 </a:solidFill>
+                <a:latin typeface="Assistant SemiBold" panose="00000700000000000000" pitchFamily="2" charset="-79"/>
+                <a:cs typeface="Assistant SemiBold" panose="00000700000000000000" pitchFamily="2" charset="-79"/>
               </a:rPr>
               <a:t>“Angels, Roll the Rock Away!”</a:t>
             </a:r>
@@ -3324,8 +3356,8 @@
         </p:nvSpPr>
         <p:spPr>
           <a:xfrm>
-            <a:off x="0" y="494106"/>
-            <a:ext cx="12192000" cy="4524315"/>
+            <a:off x="0" y="729571"/>
+            <a:ext cx="12192000" cy="3970318"/>
           </a:xfrm>
           <a:prstGeom prst="rect">
             <a:avLst/>
@@ -3340,18 +3372,22 @@
           <a:p>
             <a:pPr algn="ctr"/>
             <a:r>
-              <a:rPr lang="en-US" sz="3200" dirty="0" err="1">
+              <a:rPr lang="en-US" sz="2800" spc="50" dirty="0" err="1">
                 <a:solidFill>
                   <a:schemeClr val="bg1"/>
                 </a:solidFill>
+                <a:latin typeface="Assistant" panose="00000500000000000000" pitchFamily="2" charset="-79"/>
+                <a:cs typeface="Assistant" panose="00000500000000000000" pitchFamily="2" charset="-79"/>
               </a:rPr>
               <a:t>‘Tis</a:t>
             </a:r>
             <a:r>
-              <a:rPr lang="en-US" sz="3200" dirty="0">
+              <a:rPr lang="en-US" sz="2800" spc="50" dirty="0">
                 <a:solidFill>
                   <a:schemeClr val="bg1"/>
                 </a:solidFill>
+                <a:latin typeface="Assistant" panose="00000500000000000000" pitchFamily="2" charset="-79"/>
+                <a:cs typeface="Assistant" panose="00000500000000000000" pitchFamily="2" charset="-79"/>
               </a:rPr>
               <a:t> the Savior!  Seraphs, raise,</a:t>
             </a:r>
@@ -3359,18 +3395,22 @@
           <a:p>
             <a:pPr algn="ctr"/>
             <a:r>
-              <a:rPr lang="en-US" sz="3200" dirty="0" err="1">
+              <a:rPr lang="en-US" sz="2800" spc="50" dirty="0" err="1">
                 <a:solidFill>
                   <a:schemeClr val="bg1"/>
                 </a:solidFill>
+                <a:latin typeface="Assistant" panose="00000500000000000000" pitchFamily="2" charset="-79"/>
+                <a:cs typeface="Assistant" panose="00000500000000000000" pitchFamily="2" charset="-79"/>
               </a:rPr>
               <a:t>Allelujah</a:t>
             </a:r>
             <a:r>
-              <a:rPr lang="en-US" sz="3200" dirty="0">
+              <a:rPr lang="en-US" sz="2800" spc="50" dirty="0">
                 <a:solidFill>
                   <a:schemeClr val="bg1"/>
                 </a:solidFill>
+                <a:latin typeface="Assistant" panose="00000500000000000000" pitchFamily="2" charset="-79"/>
+                <a:cs typeface="Assistant" panose="00000500000000000000" pitchFamily="2" charset="-79"/>
               </a:rPr>
               <a:t>!</a:t>
             </a:r>
@@ -3378,10 +3418,12 @@
           <a:p>
             <a:pPr algn="ctr"/>
             <a:r>
-              <a:rPr lang="en-US" sz="3200" dirty="0">
+              <a:rPr lang="en-US" sz="2800" spc="50" dirty="0">
                 <a:solidFill>
                   <a:schemeClr val="bg1"/>
                 </a:solidFill>
+                <a:latin typeface="Assistant" panose="00000500000000000000" pitchFamily="2" charset="-79"/>
+                <a:cs typeface="Assistant" panose="00000500000000000000" pitchFamily="2" charset="-79"/>
               </a:rPr>
               <a:t>Your triumphal shout of praise,</a:t>
             </a:r>
@@ -3389,37 +3431,45 @@
           <a:p>
             <a:pPr algn="ctr"/>
             <a:r>
-              <a:rPr lang="en-US" sz="3200" dirty="0" err="1">
+              <a:rPr lang="en-US" sz="2800" spc="50" dirty="0" err="1">
                 <a:solidFill>
                   <a:schemeClr val="bg1"/>
                 </a:solidFill>
+                <a:latin typeface="Assistant" panose="00000500000000000000" pitchFamily="2" charset="-79"/>
+                <a:cs typeface="Assistant" panose="00000500000000000000" pitchFamily="2" charset="-79"/>
               </a:rPr>
               <a:t>Allelujah</a:t>
             </a:r>
             <a:r>
-              <a:rPr lang="en-US" sz="3200" dirty="0">
+              <a:rPr lang="en-US" sz="2800" spc="50" dirty="0">
                 <a:solidFill>
                   <a:schemeClr val="bg1"/>
                 </a:solidFill>
+                <a:latin typeface="Assistant" panose="00000500000000000000" pitchFamily="2" charset="-79"/>
+                <a:cs typeface="Assistant" panose="00000500000000000000" pitchFamily="2" charset="-79"/>
               </a:rPr>
               <a:t>!</a:t>
             </a:r>
           </a:p>
           <a:p>
             <a:pPr algn="ctr"/>
-            <a:endParaRPr lang="en-US" sz="3200" dirty="0">
+            <a:endParaRPr lang="en-US" sz="2800" spc="50" dirty="0">
               <a:solidFill>
                 <a:schemeClr val="bg1"/>
               </a:solidFill>
+              <a:latin typeface="Assistant" panose="00000500000000000000" pitchFamily="2" charset="-79"/>
+              <a:cs typeface="Assistant" panose="00000500000000000000" pitchFamily="2" charset="-79"/>
             </a:endParaRPr>
           </a:p>
           <a:p>
             <a:pPr algn="ctr"/>
             <a:r>
-              <a:rPr lang="en-US" sz="3200" dirty="0">
+              <a:rPr lang="en-US" sz="2800" spc="50" dirty="0">
                 <a:solidFill>
                   <a:schemeClr val="bg1"/>
                 </a:solidFill>
+                <a:latin typeface="Assistant" panose="00000500000000000000" pitchFamily="2" charset="-79"/>
+                <a:cs typeface="Assistant" panose="00000500000000000000" pitchFamily="2" charset="-79"/>
               </a:rPr>
               <a:t>Let the Earth’s remotest bound,</a:t>
             </a:r>
@@ -3427,18 +3477,22 @@
           <a:p>
             <a:pPr algn="ctr"/>
             <a:r>
-              <a:rPr lang="en-US" sz="3200" dirty="0" err="1">
+              <a:rPr lang="en-US" sz="2800" spc="50" dirty="0" err="1">
                 <a:solidFill>
                   <a:schemeClr val="bg1"/>
                 </a:solidFill>
+                <a:latin typeface="Assistant" panose="00000500000000000000" pitchFamily="2" charset="-79"/>
+                <a:cs typeface="Assistant" panose="00000500000000000000" pitchFamily="2" charset="-79"/>
               </a:rPr>
               <a:t>Allelujah</a:t>
             </a:r>
             <a:r>
-              <a:rPr lang="en-US" sz="3200" dirty="0">
+              <a:rPr lang="en-US" sz="2800" spc="50" dirty="0">
                 <a:solidFill>
                   <a:schemeClr val="bg1"/>
                 </a:solidFill>
+                <a:latin typeface="Assistant" panose="00000500000000000000" pitchFamily="2" charset="-79"/>
+                <a:cs typeface="Assistant" panose="00000500000000000000" pitchFamily="2" charset="-79"/>
               </a:rPr>
               <a:t>,</a:t>
             </a:r>
@@ -3446,10 +3500,12 @@
           <a:p>
             <a:pPr algn="ctr"/>
             <a:r>
-              <a:rPr lang="en-US" sz="3200" dirty="0">
+              <a:rPr lang="en-US" sz="2800" spc="50" dirty="0">
                 <a:solidFill>
                   <a:schemeClr val="bg1"/>
                 </a:solidFill>
+                <a:latin typeface="Assistant" panose="00000500000000000000" pitchFamily="2" charset="-79"/>
+                <a:cs typeface="Assistant" panose="00000500000000000000" pitchFamily="2" charset="-79"/>
               </a:rPr>
               <a:t>Hear the joy-inspiring sound,</a:t>
             </a:r>
@@ -3457,18 +3513,22 @@
           <a:p>
             <a:pPr algn="ctr"/>
             <a:r>
-              <a:rPr lang="en-US" sz="3200" dirty="0" err="1">
+              <a:rPr lang="en-US" sz="2800" spc="50" dirty="0" err="1">
                 <a:solidFill>
                   <a:schemeClr val="bg1"/>
                 </a:solidFill>
+                <a:latin typeface="Assistant" panose="00000500000000000000" pitchFamily="2" charset="-79"/>
+                <a:cs typeface="Assistant" panose="00000500000000000000" pitchFamily="2" charset="-79"/>
               </a:rPr>
               <a:t>Allelujah</a:t>
             </a:r>
             <a:r>
-              <a:rPr lang="en-US" sz="3200" dirty="0">
+              <a:rPr lang="en-US" sz="2800" spc="50" dirty="0">
                 <a:solidFill>
                   <a:schemeClr val="bg1"/>
                 </a:solidFill>
+                <a:latin typeface="Assistant" panose="00000500000000000000" pitchFamily="2" charset="-79"/>
+                <a:cs typeface="Assistant" panose="00000500000000000000" pitchFamily="2" charset="-79"/>
               </a:rPr>
               <a:t>!</a:t>
             </a:r>
@@ -3570,8 +3630,8 @@
         </p:nvSpPr>
         <p:spPr>
           <a:xfrm>
-            <a:off x="0" y="5804209"/>
-            <a:ext cx="12192000" cy="830997"/>
+            <a:off x="0" y="5927320"/>
+            <a:ext cx="12192000" cy="584775"/>
           </a:xfrm>
           <a:prstGeom prst="rect">
             <a:avLst/>
@@ -3586,10 +3646,12 @@
           <a:p>
             <a:pPr algn="ctr"/>
             <a:r>
-              <a:rPr lang="en-US" sz="4800" dirty="0">
+              <a:rPr lang="en-US" sz="3200" u="sng" dirty="0">
                 <a:solidFill>
                   <a:schemeClr val="bg1"/>
                 </a:solidFill>
+                <a:latin typeface="Assistant SemiBold" panose="00000700000000000000" pitchFamily="2" charset="-79"/>
+                <a:cs typeface="Assistant SemiBold" panose="00000700000000000000" pitchFamily="2" charset="-79"/>
               </a:rPr>
               <a:t>“Angels, Roll the Rock Away!”</a:t>
             </a:r>
@@ -3604,8 +3666,8 @@
         </p:nvSpPr>
         <p:spPr>
           <a:xfrm>
-            <a:off x="0" y="494106"/>
-            <a:ext cx="12192000" cy="4524315"/>
+            <a:off x="0" y="729571"/>
+            <a:ext cx="12192000" cy="3970318"/>
           </a:xfrm>
           <a:prstGeom prst="rect">
             <a:avLst/>
@@ -3620,10 +3682,12 @@
           <a:p>
             <a:pPr algn="ctr"/>
             <a:r>
-              <a:rPr lang="en-US" sz="3200" dirty="0">
+              <a:rPr lang="en-US" sz="2800" spc="50" dirty="0">
                 <a:solidFill>
                   <a:schemeClr val="bg1"/>
                 </a:solidFill>
+                <a:latin typeface="Assistant" panose="00000500000000000000" pitchFamily="2" charset="-79"/>
+                <a:cs typeface="Assistant" panose="00000500000000000000" pitchFamily="2" charset="-79"/>
               </a:rPr>
               <a:t>Praise Him, all ye heavenly choirs,</a:t>
             </a:r>
@@ -3631,18 +3695,22 @@
           <a:p>
             <a:pPr algn="ctr"/>
             <a:r>
-              <a:rPr lang="en-US" sz="3200" dirty="0" err="1">
+              <a:rPr lang="en-US" sz="2800" spc="50" dirty="0" err="1">
                 <a:solidFill>
                   <a:schemeClr val="bg1"/>
                 </a:solidFill>
+                <a:latin typeface="Assistant" panose="00000500000000000000" pitchFamily="2" charset="-79"/>
+                <a:cs typeface="Assistant" panose="00000500000000000000" pitchFamily="2" charset="-79"/>
               </a:rPr>
               <a:t>Allelujah</a:t>
             </a:r>
             <a:r>
-              <a:rPr lang="en-US" sz="3200" dirty="0">
+              <a:rPr lang="en-US" sz="2800" spc="50" dirty="0">
                 <a:solidFill>
                   <a:schemeClr val="bg1"/>
                 </a:solidFill>
+                <a:latin typeface="Assistant" panose="00000500000000000000" pitchFamily="2" charset="-79"/>
+                <a:cs typeface="Assistant" panose="00000500000000000000" pitchFamily="2" charset="-79"/>
               </a:rPr>
               <a:t>!</a:t>
             </a:r>
@@ -3650,10 +3718,12 @@
           <a:p>
             <a:pPr algn="ctr"/>
             <a:r>
-              <a:rPr lang="en-US" sz="3200" dirty="0">
+              <a:rPr lang="en-US" sz="2800" spc="50" dirty="0">
                 <a:solidFill>
                   <a:schemeClr val="bg1"/>
                 </a:solidFill>
+                <a:latin typeface="Assistant" panose="00000500000000000000" pitchFamily="2" charset="-79"/>
+                <a:cs typeface="Assistant" panose="00000500000000000000" pitchFamily="2" charset="-79"/>
               </a:rPr>
               <a:t>Praise Him, sweep your golden lyres!</a:t>
             </a:r>
@@ -3661,37 +3731,45 @@
           <a:p>
             <a:pPr algn="ctr"/>
             <a:r>
-              <a:rPr lang="en-US" sz="3200" dirty="0" err="1">
+              <a:rPr lang="en-US" sz="2800" spc="50" dirty="0" err="1">
                 <a:solidFill>
                   <a:schemeClr val="bg1"/>
                 </a:solidFill>
+                <a:latin typeface="Assistant" panose="00000500000000000000" pitchFamily="2" charset="-79"/>
+                <a:cs typeface="Assistant" panose="00000500000000000000" pitchFamily="2" charset="-79"/>
               </a:rPr>
               <a:t>Allelujah</a:t>
             </a:r>
             <a:r>
-              <a:rPr lang="en-US" sz="3200" dirty="0">
+              <a:rPr lang="en-US" sz="2800" spc="50" dirty="0">
                 <a:solidFill>
                   <a:schemeClr val="bg1"/>
                 </a:solidFill>
+                <a:latin typeface="Assistant" panose="00000500000000000000" pitchFamily="2" charset="-79"/>
+                <a:cs typeface="Assistant" panose="00000500000000000000" pitchFamily="2" charset="-79"/>
               </a:rPr>
               <a:t>!</a:t>
             </a:r>
           </a:p>
           <a:p>
             <a:pPr algn="ctr"/>
-            <a:endParaRPr lang="en-US" sz="3200" dirty="0">
+            <a:endParaRPr lang="en-US" sz="2800" spc="50" dirty="0">
               <a:solidFill>
                 <a:schemeClr val="bg1"/>
               </a:solidFill>
+              <a:latin typeface="Assistant" panose="00000500000000000000" pitchFamily="2" charset="-79"/>
+              <a:cs typeface="Assistant" panose="00000500000000000000" pitchFamily="2" charset="-79"/>
             </a:endParaRPr>
           </a:p>
           <a:p>
             <a:pPr algn="ctr"/>
             <a:r>
-              <a:rPr lang="en-US" sz="3200" dirty="0">
+              <a:rPr lang="en-US" sz="2800" spc="50" dirty="0">
                 <a:solidFill>
                   <a:schemeClr val="bg1"/>
                 </a:solidFill>
+                <a:latin typeface="Assistant" panose="00000500000000000000" pitchFamily="2" charset="-79"/>
+                <a:cs typeface="Assistant" panose="00000500000000000000" pitchFamily="2" charset="-79"/>
               </a:rPr>
               <a:t>Praise Him in the noblest songs,</a:t>
             </a:r>
@@ -3699,18 +3777,22 @@
           <a:p>
             <a:pPr algn="ctr"/>
             <a:r>
-              <a:rPr lang="en-US" sz="3200" dirty="0" err="1">
+              <a:rPr lang="en-US" sz="2800" spc="50" dirty="0" err="1">
                 <a:solidFill>
                   <a:schemeClr val="bg1"/>
                 </a:solidFill>
+                <a:latin typeface="Assistant" panose="00000500000000000000" pitchFamily="2" charset="-79"/>
+                <a:cs typeface="Assistant" panose="00000500000000000000" pitchFamily="2" charset="-79"/>
               </a:rPr>
               <a:t>Allelujah</a:t>
             </a:r>
             <a:r>
-              <a:rPr lang="en-US" sz="3200" dirty="0">
+              <a:rPr lang="en-US" sz="2800" spc="50" dirty="0">
                 <a:solidFill>
                   <a:schemeClr val="bg1"/>
                 </a:solidFill>
+                <a:latin typeface="Assistant" panose="00000500000000000000" pitchFamily="2" charset="-79"/>
+                <a:cs typeface="Assistant" panose="00000500000000000000" pitchFamily="2" charset="-79"/>
               </a:rPr>
               <a:t>,</a:t>
             </a:r>
@@ -3718,10 +3800,12 @@
           <a:p>
             <a:pPr algn="ctr"/>
             <a:r>
-              <a:rPr lang="en-US" sz="3200" dirty="0">
+              <a:rPr lang="en-US" sz="2800" spc="50" dirty="0">
                 <a:solidFill>
                   <a:schemeClr val="bg1"/>
                 </a:solidFill>
+                <a:latin typeface="Assistant" panose="00000500000000000000" pitchFamily="2" charset="-79"/>
+                <a:cs typeface="Assistant" panose="00000500000000000000" pitchFamily="2" charset="-79"/>
               </a:rPr>
               <a:t>Praise Him with ten thousand tongues!</a:t>
             </a:r>
@@ -3729,18 +3813,22 @@
           <a:p>
             <a:pPr algn="ctr"/>
             <a:r>
-              <a:rPr lang="en-US" sz="3200" dirty="0" err="1">
+              <a:rPr lang="en-US" sz="2800" spc="50" dirty="0" err="1">
                 <a:solidFill>
                   <a:schemeClr val="bg1"/>
                 </a:solidFill>
+                <a:latin typeface="Assistant" panose="00000500000000000000" pitchFamily="2" charset="-79"/>
+                <a:cs typeface="Assistant" panose="00000500000000000000" pitchFamily="2" charset="-79"/>
               </a:rPr>
               <a:t>Allelujah</a:t>
             </a:r>
             <a:r>
-              <a:rPr lang="en-US" sz="3200" dirty="0">
+              <a:rPr lang="en-US" sz="2800" spc="50" dirty="0">
                 <a:solidFill>
                   <a:schemeClr val="bg1"/>
                 </a:solidFill>
+                <a:latin typeface="Assistant" panose="00000500000000000000" pitchFamily="2" charset="-79"/>
+                <a:cs typeface="Assistant" panose="00000500000000000000" pitchFamily="2" charset="-79"/>
               </a:rPr>
               <a:t>!</a:t>
             </a:r>
